--- a/Python&appscript/5/OOP.pptx
+++ b/Python&appscript/5/OOP.pptx
@@ -42222,8 +42222,8 @@
           <a:chExt cx="0" cy="0"/>
         </a:xfrm>
       </p:grpSpPr>
-      <mc:AlternateContent xmlns:mc="http://schemas.openxmlformats.org/markup-compatibility/2006">
-        <mc:Choice xmlns:a14="http://schemas.microsoft.com/office/drawing/2010/main" Requires="a14">
+      <mc:AlternateContent xmlns:mc="http://schemas.openxmlformats.org/markup-compatibility/2006" xmlns:a14="http://schemas.microsoft.com/office/drawing/2010/main">
+        <mc:Choice Requires="a14">
           <p:sp>
             <p:nvSpPr>
               <p:cNvPr id="2" name="제목 1">
@@ -42290,7 +42290,7 @@
             </p:txBody>
           </p:sp>
         </mc:Choice>
-        <mc:Fallback>
+        <mc:Fallback xmlns="">
           <p:sp>
             <p:nvSpPr>
               <p:cNvPr id="2" name="제목 1">
@@ -42862,6 +42862,190 @@
           </a:p>
         </p:txBody>
       </p:sp>
+      <p:cxnSp>
+        <p:nvCxnSpPr>
+          <p:cNvPr id="3" name="직선 화살표 연결선 2">
+            <a:extLst>
+              <a:ext uri="{FF2B5EF4-FFF2-40B4-BE49-F238E27FC236}">
+                <a16:creationId xmlns:a16="http://schemas.microsoft.com/office/drawing/2014/main" id="{F3854112-2863-E187-5FCE-45427771E533}"/>
+              </a:ext>
+            </a:extLst>
+          </p:cNvPr>
+          <p:cNvCxnSpPr>
+            <a:cxnSpLocks/>
+            <a:stCxn id="4" idx="3"/>
+            <a:endCxn id="8" idx="1"/>
+          </p:cNvCxnSpPr>
+          <p:nvPr/>
+        </p:nvCxnSpPr>
+        <p:spPr>
+          <a:xfrm flipV="1">
+            <a:off x="3423638" y="1397522"/>
+            <a:ext cx="921845" cy="1174228"/>
+          </a:xfrm>
+          <a:prstGeom prst="straightConnector1">
+            <a:avLst/>
+          </a:prstGeom>
+          <a:ln>
+            <a:solidFill>
+              <a:srgbClr val="C00000"/>
+            </a:solidFill>
+            <a:tailEnd type="triangle"/>
+          </a:ln>
+        </p:spPr>
+        <p:style>
+          <a:lnRef idx="1">
+            <a:schemeClr val="accent1"/>
+          </a:lnRef>
+          <a:fillRef idx="0">
+            <a:schemeClr val="accent1"/>
+          </a:fillRef>
+          <a:effectRef idx="0">
+            <a:schemeClr val="accent1"/>
+          </a:effectRef>
+          <a:fontRef idx="minor">
+            <a:schemeClr val="tx1"/>
+          </a:fontRef>
+        </p:style>
+      </p:cxnSp>
+      <p:cxnSp>
+        <p:nvCxnSpPr>
+          <p:cNvPr id="6" name="직선 화살표 연결선 5">
+            <a:extLst>
+              <a:ext uri="{FF2B5EF4-FFF2-40B4-BE49-F238E27FC236}">
+                <a16:creationId xmlns:a16="http://schemas.microsoft.com/office/drawing/2014/main" id="{17C07F6A-0E2C-82D5-FAEE-EC56441F6A24}"/>
+              </a:ext>
+            </a:extLst>
+          </p:cNvPr>
+          <p:cNvCxnSpPr>
+            <a:cxnSpLocks/>
+            <a:stCxn id="4" idx="3"/>
+            <a:endCxn id="10" idx="1"/>
+          </p:cNvCxnSpPr>
+          <p:nvPr/>
+        </p:nvCxnSpPr>
+        <p:spPr>
+          <a:xfrm flipV="1">
+            <a:off x="3423638" y="1397523"/>
+            <a:ext cx="2952180" cy="1174227"/>
+          </a:xfrm>
+          <a:prstGeom prst="straightConnector1">
+            <a:avLst/>
+          </a:prstGeom>
+          <a:ln>
+            <a:solidFill>
+              <a:srgbClr val="C00000"/>
+            </a:solidFill>
+            <a:tailEnd type="triangle"/>
+          </a:ln>
+        </p:spPr>
+        <p:style>
+          <a:lnRef idx="1">
+            <a:schemeClr val="accent1"/>
+          </a:lnRef>
+          <a:fillRef idx="0">
+            <a:schemeClr val="accent1"/>
+          </a:fillRef>
+          <a:effectRef idx="0">
+            <a:schemeClr val="accent1"/>
+          </a:effectRef>
+          <a:fontRef idx="minor">
+            <a:schemeClr val="tx1"/>
+          </a:fontRef>
+        </p:style>
+      </p:cxnSp>
+      <p:cxnSp>
+        <p:nvCxnSpPr>
+          <p:cNvPr id="11" name="직선 화살표 연결선 10">
+            <a:extLst>
+              <a:ext uri="{FF2B5EF4-FFF2-40B4-BE49-F238E27FC236}">
+                <a16:creationId xmlns:a16="http://schemas.microsoft.com/office/drawing/2014/main" id="{90E34A7C-4FCB-6EE6-89DD-A64F1C9721EF}"/>
+              </a:ext>
+            </a:extLst>
+          </p:cNvPr>
+          <p:cNvCxnSpPr>
+            <a:cxnSpLocks/>
+            <a:stCxn id="4" idx="3"/>
+            <a:endCxn id="13" idx="1"/>
+          </p:cNvCxnSpPr>
+          <p:nvPr/>
+        </p:nvCxnSpPr>
+        <p:spPr>
+          <a:xfrm>
+            <a:off x="3423638" y="2571750"/>
+            <a:ext cx="592180" cy="1016568"/>
+          </a:xfrm>
+          <a:prstGeom prst="straightConnector1">
+            <a:avLst/>
+          </a:prstGeom>
+          <a:ln>
+            <a:solidFill>
+              <a:srgbClr val="C00000"/>
+            </a:solidFill>
+            <a:tailEnd type="triangle"/>
+          </a:ln>
+        </p:spPr>
+        <p:style>
+          <a:lnRef idx="1">
+            <a:schemeClr val="accent1"/>
+          </a:lnRef>
+          <a:fillRef idx="0">
+            <a:schemeClr val="accent1"/>
+          </a:fillRef>
+          <a:effectRef idx="0">
+            <a:schemeClr val="accent1"/>
+          </a:effectRef>
+          <a:fontRef idx="minor">
+            <a:schemeClr val="tx1"/>
+          </a:fontRef>
+        </p:style>
+      </p:cxnSp>
+      <p:cxnSp>
+        <p:nvCxnSpPr>
+          <p:cNvPr id="18" name="직선 화살표 연결선 17">
+            <a:extLst>
+              <a:ext uri="{FF2B5EF4-FFF2-40B4-BE49-F238E27FC236}">
+                <a16:creationId xmlns:a16="http://schemas.microsoft.com/office/drawing/2014/main" id="{E7511F0B-0F0A-41EB-3A27-9F48EC32C9EE}"/>
+              </a:ext>
+            </a:extLst>
+          </p:cNvPr>
+          <p:cNvCxnSpPr>
+            <a:cxnSpLocks/>
+            <a:stCxn id="4" idx="3"/>
+            <a:endCxn id="15" idx="1"/>
+          </p:cNvCxnSpPr>
+          <p:nvPr/>
+        </p:nvCxnSpPr>
+        <p:spPr>
+          <a:xfrm>
+            <a:off x="3423638" y="2571750"/>
+            <a:ext cx="2665040" cy="1016568"/>
+          </a:xfrm>
+          <a:prstGeom prst="straightConnector1">
+            <a:avLst/>
+          </a:prstGeom>
+          <a:ln>
+            <a:solidFill>
+              <a:srgbClr val="C00000"/>
+            </a:solidFill>
+            <a:tailEnd type="triangle"/>
+          </a:ln>
+        </p:spPr>
+        <p:style>
+          <a:lnRef idx="1">
+            <a:schemeClr val="accent1"/>
+          </a:lnRef>
+          <a:fillRef idx="0">
+            <a:schemeClr val="accent1"/>
+          </a:fillRef>
+          <a:effectRef idx="0">
+            <a:schemeClr val="accent1"/>
+          </a:effectRef>
+          <a:fontRef idx="minor">
+            <a:schemeClr val="tx1"/>
+          </a:fontRef>
+        </p:style>
+      </p:cxnSp>
     </p:spTree>
     <p:extLst>
       <p:ext uri="{BB962C8B-B14F-4D97-AF65-F5344CB8AC3E}">
@@ -42893,7 +43077,7 @@
                             </p:stCondLst>
                             <p:childTnLst>
                               <p:par>
-                                <p:cTn id="5" presetID="16" presetClass="entr" presetSubtype="21" fill="hold" grpId="0" nodeType="clickEffect">
+                                <p:cTn id="5" presetID="22" presetClass="entr" presetSubtype="8" fill="hold" nodeType="clickEffect">
                                   <p:stCondLst>
                                     <p:cond delay="0"/>
                                   </p:stCondLst>
@@ -42901,6 +43085,164 @@
                                     <p:set>
                                       <p:cBhvr>
                                         <p:cTn id="6" dur="1" fill="hold">
+                                          <p:stCondLst>
+                                            <p:cond delay="0"/>
+                                          </p:stCondLst>
+                                        </p:cTn>
+                                        <p:tgtEl>
+                                          <p:spTgt spid="3"/>
+                                        </p:tgtEl>
+                                        <p:attrNameLst>
+                                          <p:attrName>style.visibility</p:attrName>
+                                        </p:attrNameLst>
+                                      </p:cBhvr>
+                                      <p:to>
+                                        <p:strVal val="visible"/>
+                                      </p:to>
+                                    </p:set>
+                                    <p:animEffect transition="in" filter="wipe(left)">
+                                      <p:cBhvr>
+                                        <p:cTn id="7" dur="500"/>
+                                        <p:tgtEl>
+                                          <p:spTgt spid="3"/>
+                                        </p:tgtEl>
+                                      </p:cBhvr>
+                                    </p:animEffect>
+                                  </p:childTnLst>
+                                </p:cTn>
+                              </p:par>
+                              <p:par>
+                                <p:cTn id="8" presetID="22" presetClass="entr" presetSubtype="8" fill="hold" nodeType="withEffect">
+                                  <p:stCondLst>
+                                    <p:cond delay="0"/>
+                                  </p:stCondLst>
+                                  <p:childTnLst>
+                                    <p:set>
+                                      <p:cBhvr>
+                                        <p:cTn id="9" dur="1" fill="hold">
+                                          <p:stCondLst>
+                                            <p:cond delay="0"/>
+                                          </p:stCondLst>
+                                        </p:cTn>
+                                        <p:tgtEl>
+                                          <p:spTgt spid="6"/>
+                                        </p:tgtEl>
+                                        <p:attrNameLst>
+                                          <p:attrName>style.visibility</p:attrName>
+                                        </p:attrNameLst>
+                                      </p:cBhvr>
+                                      <p:to>
+                                        <p:strVal val="visible"/>
+                                      </p:to>
+                                    </p:set>
+                                    <p:animEffect transition="in" filter="wipe(left)">
+                                      <p:cBhvr>
+                                        <p:cTn id="10" dur="500"/>
+                                        <p:tgtEl>
+                                          <p:spTgt spid="6"/>
+                                        </p:tgtEl>
+                                      </p:cBhvr>
+                                    </p:animEffect>
+                                  </p:childTnLst>
+                                </p:cTn>
+                              </p:par>
+                              <p:par>
+                                <p:cTn id="11" presetID="22" presetClass="entr" presetSubtype="8" fill="hold" nodeType="withEffect">
+                                  <p:stCondLst>
+                                    <p:cond delay="0"/>
+                                  </p:stCondLst>
+                                  <p:childTnLst>
+                                    <p:set>
+                                      <p:cBhvr>
+                                        <p:cTn id="12" dur="1" fill="hold">
+                                          <p:stCondLst>
+                                            <p:cond delay="0"/>
+                                          </p:stCondLst>
+                                        </p:cTn>
+                                        <p:tgtEl>
+                                          <p:spTgt spid="18"/>
+                                        </p:tgtEl>
+                                        <p:attrNameLst>
+                                          <p:attrName>style.visibility</p:attrName>
+                                        </p:attrNameLst>
+                                      </p:cBhvr>
+                                      <p:to>
+                                        <p:strVal val="visible"/>
+                                      </p:to>
+                                    </p:set>
+                                    <p:animEffect transition="in" filter="wipe(left)">
+                                      <p:cBhvr>
+                                        <p:cTn id="13" dur="500"/>
+                                        <p:tgtEl>
+                                          <p:spTgt spid="18"/>
+                                        </p:tgtEl>
+                                      </p:cBhvr>
+                                    </p:animEffect>
+                                  </p:childTnLst>
+                                </p:cTn>
+                              </p:par>
+                              <p:par>
+                                <p:cTn id="14" presetID="22" presetClass="entr" presetSubtype="8" fill="hold" nodeType="withEffect">
+                                  <p:stCondLst>
+                                    <p:cond delay="0"/>
+                                  </p:stCondLst>
+                                  <p:childTnLst>
+                                    <p:set>
+                                      <p:cBhvr>
+                                        <p:cTn id="15" dur="1" fill="hold">
+                                          <p:stCondLst>
+                                            <p:cond delay="0"/>
+                                          </p:stCondLst>
+                                        </p:cTn>
+                                        <p:tgtEl>
+                                          <p:spTgt spid="11"/>
+                                        </p:tgtEl>
+                                        <p:attrNameLst>
+                                          <p:attrName>style.visibility</p:attrName>
+                                        </p:attrNameLst>
+                                      </p:cBhvr>
+                                      <p:to>
+                                        <p:strVal val="visible"/>
+                                      </p:to>
+                                    </p:set>
+                                    <p:animEffect transition="in" filter="wipe(left)">
+                                      <p:cBhvr>
+                                        <p:cTn id="16" dur="500"/>
+                                        <p:tgtEl>
+                                          <p:spTgt spid="11"/>
+                                        </p:tgtEl>
+                                      </p:cBhvr>
+                                    </p:animEffect>
+                                  </p:childTnLst>
+                                </p:cTn>
+                              </p:par>
+                            </p:childTnLst>
+                          </p:cTn>
+                        </p:par>
+                      </p:childTnLst>
+                    </p:cTn>
+                  </p:par>
+                  <p:par>
+                    <p:cTn id="17" fill="hold">
+                      <p:stCondLst>
+                        <p:cond delay="indefinite"/>
+                      </p:stCondLst>
+                      <p:childTnLst>
+                        <p:par>
+                          <p:cTn id="18" fill="hold">
+                            <p:stCondLst>
+                              <p:cond delay="0"/>
+                            </p:stCondLst>
+                            <p:childTnLst>
+                              <p:par>
+                                <p:cTn id="19" presetID="16" presetClass="entr" presetSubtype="21" fill="hold" grpId="0" nodeType="clickEffect">
+                                  <p:stCondLst>
+                                    <p:cond delay="0"/>
+                                  </p:stCondLst>
+                                  <p:childTnLst>
+                                    <p:set>
+                                      <p:cBhvr>
+                                        <p:cTn id="20" dur="1" fill="hold">
                                           <p:stCondLst>
                                             <p:cond delay="0"/>
                                           </p:stCondLst>
@@ -42918,7 +43260,7 @@
                                     </p:set>
                                     <p:animEffect transition="in" filter="barn(inVertical)">
                                       <p:cBhvr>
-                                        <p:cTn id="7" dur="500"/>
+                                        <p:cTn id="21" dur="500"/>
                                         <p:tgtEl>
                                           <p:spTgt spid="16"/>
                                         </p:tgtEl>
@@ -42931,20 +43273,20 @@
                           </p:cTn>
                         </p:par>
                         <p:par>
-                          <p:cTn id="8" fill="hold">
+                          <p:cTn id="22" fill="hold">
                             <p:stCondLst>
                               <p:cond delay="500"/>
                             </p:stCondLst>
                             <p:childTnLst>
                               <p:par>
-                                <p:cTn id="9" presetID="42" presetClass="entr" presetSubtype="0" fill="hold" grpId="0" nodeType="afterEffect">
+                                <p:cTn id="23" presetID="42" presetClass="entr" presetSubtype="0" fill="hold" grpId="0" nodeType="afterEffect">
                                   <p:stCondLst>
                                     <p:cond delay="0"/>
                                   </p:stCondLst>
                                   <p:childTnLst>
                                     <p:set>
                                       <p:cBhvr>
-                                        <p:cTn id="10" dur="1" fill="hold">
+                                        <p:cTn id="24" dur="1" fill="hold">
                                           <p:stCondLst>
                                             <p:cond delay="0"/>
                                           </p:stCondLst>
@@ -42962,7 +43304,7 @@
                                     </p:set>
                                     <p:animEffect transition="in" filter="fade">
                                       <p:cBhvr>
-                                        <p:cTn id="11" dur="1000"/>
+                                        <p:cTn id="25" dur="1000"/>
                                         <p:tgtEl>
                                           <p:spTgt spid="17"/>
                                         </p:tgtEl>
@@ -42970,7 +43312,7 @@
                                     </p:animEffect>
                                     <p:anim calcmode="lin" valueType="num">
                                       <p:cBhvr>
-                                        <p:cTn id="12" dur="1000" fill="hold"/>
+                                        <p:cTn id="26" dur="1000" fill="hold"/>
                                         <p:tgtEl>
                                           <p:spTgt spid="17"/>
                                         </p:tgtEl>
@@ -42993,7 +43335,7 @@
                                     </p:anim>
                                     <p:anim calcmode="lin" valueType="num">
                                       <p:cBhvr>
-                                        <p:cTn id="13" dur="1000" fill="hold"/>
+                                        <p:cTn id="27" dur="1000" fill="hold"/>
                                         <p:tgtEl>
                                           <p:spTgt spid="17"/>
                                         </p:tgtEl>
